--- a/53屬靈儆醒.pptx
+++ b/53屬靈儆醒.pptx
@@ -7,13 +7,13 @@
   <p:sldIdLst>
     <p:sldId id="256" r:id="rId2"/>
     <p:sldId id="257" r:id="rId3"/>
-    <p:sldId id="258" r:id="rId4"/>
-    <p:sldId id="259" r:id="rId5"/>
-    <p:sldId id="260" r:id="rId6"/>
-    <p:sldId id="261" r:id="rId7"/>
-    <p:sldId id="262" r:id="rId8"/>
+    <p:sldId id="263" r:id="rId4"/>
+    <p:sldId id="264" r:id="rId5"/>
+    <p:sldId id="265" r:id="rId6"/>
+    <p:sldId id="266" r:id="rId7"/>
+    <p:sldId id="267" r:id="rId8"/>
   </p:sldIdLst>
-  <p:sldSz cx="9144000" cy="6858000" type="screen4x3"/>
+  <p:sldSz cx="12192000" cy="6858000"/>
   <p:notesSz cx="6858000" cy="9144000"/>
   <p:defaultTextStyle>
     <a:defPPr>
@@ -110,6 +110,22 @@
       </a:defRPr>
     </a:lvl9pPr>
   </p:defaultTextStyle>
+  <p:extLst>
+    <p:ext uri="{EFAFB233-063F-42B5-8137-9DF3F51BA10A}">
+      <p15:sldGuideLst xmlns:p15="http://schemas.microsoft.com/office/powerpoint/2012/main">
+        <p15:guide id="1" orient="horz" pos="2160" userDrawn="1">
+          <p15:clr>
+            <a:srgbClr val="A4A3A4"/>
+          </p15:clr>
+        </p15:guide>
+        <p15:guide id="2" pos="3840" userDrawn="1">
+          <p15:clr>
+            <a:srgbClr val="A4A3A4"/>
+          </p15:clr>
+        </p15:guide>
+      </p15:sldGuideLst>
+    </p:ext>
+  </p:extLst>
 </p:presentation>
 </file>
 
@@ -147,8 +163,8 @@
         </p:nvSpPr>
         <p:spPr>
           <a:xfrm>
-            <a:off x="2286000" y="3124200"/>
-            <a:ext cx="6172200" cy="1894362"/>
+            <a:off x="3048000" y="3124200"/>
+            <a:ext cx="8229600" cy="1894362"/>
           </a:xfrm>
         </p:spPr>
         <p:txBody>
@@ -179,8 +195,8 @@
         </p:nvSpPr>
         <p:spPr>
           <a:xfrm>
-            <a:off x="2286000" y="5003322"/>
-            <a:ext cx="6172200" cy="1371600"/>
+            <a:off x="3048000" y="5003322"/>
+            <a:ext cx="8229600" cy="1371600"/>
           </a:xfrm>
         </p:spPr>
         <p:txBody>
@@ -240,8 +256,8 @@
         </p:nvSpPr>
         <p:spPr bwMode="auto">
           <a:xfrm rot="5400000">
-            <a:off x="7764621" y="1174097"/>
-            <a:ext cx="2286000" cy="381000"/>
+            <a:off x="10733828" y="1110597"/>
+            <a:ext cx="2286000" cy="508000"/>
           </a:xfrm>
         </p:spPr>
         <p:txBody>
@@ -251,7 +267,7 @@
             <a:fld id="{86B5546F-C09B-4E63-ABC5-F7C86A7E8D66}" type="datetimeFigureOut">
               <a:rPr lang="en-US" smtClean="0"/>
               <a:pPr/>
-              <a:t>9/9/2017</a:t>
+              <a:t>12/7/2019</a:t>
             </a:fld>
             <a:endParaRPr lang="en-US"/>
           </a:p>
@@ -269,8 +285,8 @@
         </p:nvSpPr>
         <p:spPr bwMode="auto">
           <a:xfrm rot="5400000">
-            <a:off x="7077269" y="4181669"/>
-            <a:ext cx="3657600" cy="384048"/>
+            <a:off x="10045959" y="4117661"/>
+            <a:ext cx="3657600" cy="512064"/>
           </a:xfrm>
         </p:spPr>
         <p:txBody>
@@ -289,8 +305,8 @@
         </p:nvSpPr>
         <p:spPr bwMode="auto">
           <a:xfrm>
-            <a:off x="381000" y="0"/>
-            <a:ext cx="609600" cy="6858000"/>
+            <a:off x="508000" y="0"/>
+            <a:ext cx="812800" cy="6858000"/>
           </a:xfrm>
           <a:prstGeom prst="rect">
             <a:avLst/>
@@ -326,7 +342,7 @@
           <a:lstStyle/>
           <a:p>
             <a:pPr algn="ctr" eaLnBrk="1" latinLnBrk="0" hangingPunct="1"/>
-            <a:endParaRPr kumimoji="0" lang="en-US"/>
+            <a:endParaRPr kumimoji="0" lang="en-US" sz="1800"/>
           </a:p>
         </p:txBody>
       </p:sp>
@@ -338,8 +354,8 @@
         </p:nvSpPr>
         <p:spPr bwMode="auto">
           <a:xfrm>
-            <a:off x="276336" y="0"/>
-            <a:ext cx="104664" cy="6858000"/>
+            <a:off x="368448" y="0"/>
+            <a:ext cx="139552" cy="6858000"/>
           </a:xfrm>
           <a:prstGeom prst="rect">
             <a:avLst/>
@@ -375,7 +391,7 @@
           <a:lstStyle/>
           <a:p>
             <a:pPr algn="ctr" eaLnBrk="1" latinLnBrk="0" hangingPunct="1"/>
-            <a:endParaRPr kumimoji="0" lang="en-US"/>
+            <a:endParaRPr kumimoji="0" lang="en-US" sz="1800"/>
           </a:p>
         </p:txBody>
       </p:sp>
@@ -387,8 +403,8 @@
         </p:nvSpPr>
         <p:spPr bwMode="auto">
           <a:xfrm>
-            <a:off x="990600" y="0"/>
-            <a:ext cx="181872" cy="6858000"/>
+            <a:off x="1320800" y="0"/>
+            <a:ext cx="242496" cy="6858000"/>
           </a:xfrm>
           <a:prstGeom prst="rect">
             <a:avLst/>
@@ -424,7 +440,7 @@
           <a:lstStyle/>
           <a:p>
             <a:pPr algn="ctr" eaLnBrk="1" latinLnBrk="0" hangingPunct="1"/>
-            <a:endParaRPr kumimoji="0" lang="en-US"/>
+            <a:endParaRPr kumimoji="0" lang="en-US" sz="1800"/>
           </a:p>
         </p:txBody>
       </p:sp>
@@ -436,8 +452,8 @@
         </p:nvSpPr>
         <p:spPr bwMode="auto">
           <a:xfrm>
-            <a:off x="1141320" y="0"/>
-            <a:ext cx="230280" cy="6858000"/>
+            <a:off x="1521760" y="0"/>
+            <a:ext cx="307040" cy="6858000"/>
           </a:xfrm>
           <a:prstGeom prst="rect">
             <a:avLst/>
@@ -473,7 +489,7 @@
           <a:lstStyle/>
           <a:p>
             <a:pPr algn="ctr" eaLnBrk="1" latinLnBrk="0" hangingPunct="1"/>
-            <a:endParaRPr kumimoji="0" lang="en-US"/>
+            <a:endParaRPr kumimoji="0" lang="en-US" sz="1800"/>
           </a:p>
         </p:txBody>
       </p:sp>
@@ -487,7 +503,7 @@
         </p:nvSpPr>
         <p:spPr bwMode="auto">
           <a:xfrm>
-            <a:off x="106344" y="0"/>
+            <a:off x="141792" y="0"/>
             <a:ext cx="0" cy="6858000"/>
           </a:xfrm>
           <a:prstGeom prst="line">
@@ -512,7 +528,7 @@
           <a:bodyPr vert="horz" wrap="square" lIns="91440" tIns="45720" rIns="91440" bIns="45720" anchor="t" compatLnSpc="1"/>
           <a:lstStyle/>
           <a:p>
-            <a:endParaRPr kumimoji="0" lang="en-US"/>
+            <a:endParaRPr kumimoji="0" lang="en-US" sz="1800"/>
           </a:p>
         </p:txBody>
       </p:sp>
@@ -526,7 +542,7 @@
         </p:nvSpPr>
         <p:spPr bwMode="auto">
           <a:xfrm>
-            <a:off x="914400" y="0"/>
+            <a:off x="1219200" y="0"/>
             <a:ext cx="0" cy="6858000"/>
           </a:xfrm>
           <a:prstGeom prst="line">
@@ -551,7 +567,7 @@
           <a:bodyPr vert="horz" wrap="square" lIns="91440" tIns="45720" rIns="91440" bIns="45720" anchor="t" compatLnSpc="1"/>
           <a:lstStyle/>
           <a:p>
-            <a:endParaRPr kumimoji="0" lang="en-US"/>
+            <a:endParaRPr kumimoji="0" lang="en-US" sz="1800"/>
           </a:p>
         </p:txBody>
       </p:sp>
@@ -565,7 +581,7 @@
         </p:nvSpPr>
         <p:spPr bwMode="auto">
           <a:xfrm>
-            <a:off x="854112" y="0"/>
+            <a:off x="1138816" y="0"/>
             <a:ext cx="0" cy="6858000"/>
           </a:xfrm>
           <a:prstGeom prst="line">
@@ -589,7 +605,7 @@
           <a:bodyPr vert="horz" wrap="square" lIns="91440" tIns="45720" rIns="91440" bIns="45720" anchor="t" compatLnSpc="1"/>
           <a:lstStyle/>
           <a:p>
-            <a:endParaRPr kumimoji="0" lang="en-US"/>
+            <a:endParaRPr kumimoji="0" lang="en-US" sz="1800"/>
           </a:p>
         </p:txBody>
       </p:sp>
@@ -603,7 +619,7 @@
         </p:nvSpPr>
         <p:spPr bwMode="auto">
           <a:xfrm>
-            <a:off x="1726640" y="0"/>
+            <a:off x="2302187" y="0"/>
             <a:ext cx="0" cy="6858000"/>
           </a:xfrm>
           <a:prstGeom prst="line">
@@ -628,7 +644,7 @@
           <a:bodyPr vert="horz" wrap="square" lIns="91440" tIns="45720" rIns="91440" bIns="45720" anchor="t" compatLnSpc="1"/>
           <a:lstStyle/>
           <a:p>
-            <a:endParaRPr kumimoji="0" lang="en-US"/>
+            <a:endParaRPr kumimoji="0" lang="en-US" sz="1800"/>
           </a:p>
         </p:txBody>
       </p:sp>
@@ -642,7 +658,7 @@
         </p:nvSpPr>
         <p:spPr bwMode="auto">
           <a:xfrm>
-            <a:off x="1066800" y="0"/>
+            <a:off x="1422400" y="0"/>
             <a:ext cx="0" cy="6858000"/>
           </a:xfrm>
           <a:prstGeom prst="line">
@@ -666,7 +682,7 @@
           <a:bodyPr vert="horz" wrap="square" lIns="91440" tIns="45720" rIns="91440" bIns="45720" anchor="t" compatLnSpc="1"/>
           <a:lstStyle/>
           <a:p>
-            <a:endParaRPr kumimoji="0" lang="en-US"/>
+            <a:endParaRPr kumimoji="0" lang="en-US" sz="1800"/>
           </a:p>
         </p:txBody>
       </p:sp>
@@ -680,7 +696,7 @@
         </p:nvSpPr>
         <p:spPr bwMode="auto">
           <a:xfrm>
-            <a:off x="9113856" y="0"/>
+            <a:off x="12151808" y="0"/>
             <a:ext cx="0" cy="6858000"/>
           </a:xfrm>
           <a:prstGeom prst="line">
@@ -704,7 +720,7 @@
           <a:bodyPr vert="horz" wrap="square" lIns="91440" tIns="45720" rIns="91440" bIns="45720" anchor="t" compatLnSpc="1"/>
           <a:lstStyle/>
           <a:p>
-            <a:endParaRPr kumimoji="0" lang="en-US"/>
+            <a:endParaRPr kumimoji="0" lang="en-US" sz="1800"/>
           </a:p>
         </p:txBody>
       </p:sp>
@@ -716,8 +732,8 @@
         </p:nvSpPr>
         <p:spPr bwMode="auto">
           <a:xfrm>
-            <a:off x="1219200" y="0"/>
-            <a:ext cx="76200" cy="6858000"/>
+            <a:off x="1625600" y="0"/>
+            <a:ext cx="101600" cy="6858000"/>
           </a:xfrm>
           <a:prstGeom prst="rect">
             <a:avLst/>
@@ -753,7 +769,7 @@
           <a:lstStyle/>
           <a:p>
             <a:pPr algn="ctr" eaLnBrk="1" latinLnBrk="0" hangingPunct="1"/>
-            <a:endParaRPr kumimoji="0" lang="en-US" dirty="0"/>
+            <a:endParaRPr kumimoji="0" lang="en-US" sz="1800" dirty="0"/>
           </a:p>
         </p:txBody>
       </p:sp>
@@ -765,8 +781,8 @@
         </p:nvSpPr>
         <p:spPr bwMode="auto">
           <a:xfrm>
-            <a:off x="609600" y="3429000"/>
-            <a:ext cx="1295400" cy="1295400"/>
+            <a:off x="812800" y="3429000"/>
+            <a:ext cx="1727200" cy="1295400"/>
           </a:xfrm>
           <a:prstGeom prst="ellipse">
             <a:avLst/>
@@ -799,7 +815,7 @@
           <a:lstStyle/>
           <a:p>
             <a:pPr algn="ctr" eaLnBrk="1" latinLnBrk="0" hangingPunct="1"/>
-            <a:endParaRPr kumimoji="0" lang="en-US" dirty="0"/>
+            <a:endParaRPr kumimoji="0" lang="en-US" sz="1800" dirty="0"/>
           </a:p>
         </p:txBody>
       </p:sp>
@@ -811,8 +827,8 @@
         </p:nvSpPr>
         <p:spPr bwMode="auto">
           <a:xfrm>
-            <a:off x="1309632" y="4866752"/>
-            <a:ext cx="641424" cy="641424"/>
+            <a:off x="1746176" y="4866752"/>
+            <a:ext cx="855232" cy="641424"/>
           </a:xfrm>
           <a:prstGeom prst="ellipse">
             <a:avLst/>
@@ -842,7 +858,7 @@
           <a:lstStyle/>
           <a:p>
             <a:pPr algn="ctr" eaLnBrk="1" latinLnBrk="0" hangingPunct="1"/>
-            <a:endParaRPr kumimoji="0" lang="en-US" dirty="0"/>
+            <a:endParaRPr kumimoji="0" lang="en-US" sz="1800" dirty="0"/>
           </a:p>
         </p:txBody>
       </p:sp>
@@ -854,8 +870,8 @@
         </p:nvSpPr>
         <p:spPr bwMode="auto">
           <a:xfrm>
-            <a:off x="1091080" y="5500632"/>
-            <a:ext cx="137160" cy="137160"/>
+            <a:off x="1454773" y="5500632"/>
+            <a:ext cx="182880" cy="137160"/>
           </a:xfrm>
           <a:prstGeom prst="ellipse">
             <a:avLst/>
@@ -885,7 +901,7 @@
           <a:lstStyle/>
           <a:p>
             <a:pPr algn="ctr" eaLnBrk="1" latinLnBrk="0" hangingPunct="1"/>
-            <a:endParaRPr kumimoji="0" lang="en-US" dirty="0"/>
+            <a:endParaRPr kumimoji="0" lang="en-US" sz="1800" dirty="0"/>
           </a:p>
         </p:txBody>
       </p:sp>
@@ -897,8 +913,8 @@
         </p:nvSpPr>
         <p:spPr bwMode="auto">
           <a:xfrm>
-            <a:off x="1664208" y="5788152"/>
-            <a:ext cx="274320" cy="274320"/>
+            <a:off x="2218944" y="5788152"/>
+            <a:ext cx="365760" cy="274320"/>
           </a:xfrm>
           <a:prstGeom prst="ellipse">
             <a:avLst/>
@@ -928,7 +944,7 @@
           <a:lstStyle/>
           <a:p>
             <a:pPr algn="ctr" eaLnBrk="1" latinLnBrk="0" hangingPunct="1"/>
-            <a:endParaRPr kumimoji="0" lang="en-US" dirty="0"/>
+            <a:endParaRPr kumimoji="0" lang="en-US" sz="1800" dirty="0"/>
           </a:p>
         </p:txBody>
       </p:sp>
@@ -940,8 +956,8 @@
         </p:nvSpPr>
         <p:spPr>
           <a:xfrm>
-            <a:off x="1905000" y="4495800"/>
-            <a:ext cx="365760" cy="365760"/>
+            <a:off x="2540000" y="4495800"/>
+            <a:ext cx="487680" cy="365760"/>
           </a:xfrm>
           <a:prstGeom prst="ellipse">
             <a:avLst/>
@@ -971,7 +987,7 @@
           <a:lstStyle/>
           <a:p>
             <a:pPr algn="ctr" eaLnBrk="1" latinLnBrk="0" hangingPunct="1"/>
-            <a:endParaRPr kumimoji="0" lang="en-US" dirty="0"/>
+            <a:endParaRPr kumimoji="0" lang="en-US" sz="1800" dirty="0"/>
           </a:p>
         </p:txBody>
       </p:sp>
@@ -987,8 +1003,8 @@
         </p:nvSpPr>
         <p:spPr bwMode="auto">
           <a:xfrm>
-            <a:off x="1325544" y="4928702"/>
-            <a:ext cx="609600" cy="517524"/>
+            <a:off x="1767392" y="4928702"/>
+            <a:ext cx="812800" cy="517524"/>
           </a:xfrm>
         </p:spPr>
         <p:txBody>
@@ -1122,7 +1138,7 @@
             <a:fld id="{86B5546F-C09B-4E63-ABC5-F7C86A7E8D66}" type="datetimeFigureOut">
               <a:rPr lang="en-US" smtClean="0"/>
               <a:pPr/>
-              <a:t>9/9/2017</a:t>
+              <a:t>12/7/2019</a:t>
             </a:fld>
             <a:endParaRPr lang="en-US"/>
           </a:p>
@@ -1208,8 +1224,8 @@
         </p:nvSpPr>
         <p:spPr>
           <a:xfrm>
-            <a:off x="6629400" y="274639"/>
-            <a:ext cx="1676400" cy="5851525"/>
+            <a:off x="8839200" y="274640"/>
+            <a:ext cx="2235200" cy="5851525"/>
           </a:xfrm>
         </p:spPr>
         <p:txBody>
@@ -1236,8 +1252,8 @@
         </p:nvSpPr>
         <p:spPr>
           <a:xfrm>
-            <a:off x="457200" y="274638"/>
-            <a:ext cx="6019800" cy="5851525"/>
+            <a:off x="609600" y="274639"/>
+            <a:ext cx="8026400" cy="5851525"/>
           </a:xfrm>
         </p:spPr>
         <p:txBody>
@@ -1299,7 +1315,7 @@
             <a:fld id="{86B5546F-C09B-4E63-ABC5-F7C86A7E8D66}" type="datetimeFigureOut">
               <a:rPr lang="en-US" smtClean="0"/>
               <a:pPr/>
-              <a:t>9/9/2017</a:t>
+              <a:t>12/7/2019</a:t>
             </a:fld>
             <a:endParaRPr lang="en-US"/>
           </a:p>
@@ -1408,8 +1424,8 @@
         </p:nvSpPr>
         <p:spPr>
           <a:xfrm>
-            <a:off x="457200" y="1600200"/>
-            <a:ext cx="7467600" cy="4873752"/>
+            <a:off x="609600" y="1600200"/>
+            <a:ext cx="9956800" cy="4873752"/>
           </a:xfrm>
         </p:spPr>
         <p:txBody>
@@ -1471,7 +1487,7 @@
             <a:fld id="{86B5546F-C09B-4E63-ABC5-F7C86A7E8D66}" type="datetimeFigureOut">
               <a:rPr lang="en-US" smtClean="0"/>
               <a:pPr/>
-              <a:t>9/9/2017</a:t>
+              <a:t>12/7/2019</a:t>
             </a:fld>
             <a:endParaRPr lang="en-US"/>
           </a:p>
@@ -1562,8 +1578,8 @@
         </p:nvSpPr>
         <p:spPr>
           <a:xfrm>
-            <a:off x="2286000" y="2895600"/>
-            <a:ext cx="6172200" cy="2053590"/>
+            <a:off x="3048000" y="2895600"/>
+            <a:ext cx="8229600" cy="2053590"/>
           </a:xfrm>
         </p:spPr>
         <p:txBody>
@@ -1595,8 +1611,8 @@
         </p:nvSpPr>
         <p:spPr>
           <a:xfrm>
-            <a:off x="2286000" y="5010150"/>
-            <a:ext cx="6172200" cy="1371600"/>
+            <a:off x="3048000" y="5010150"/>
+            <a:ext cx="8229600" cy="1371600"/>
           </a:xfrm>
         </p:spPr>
         <p:txBody>
@@ -1672,8 +1688,8 @@
         </p:nvSpPr>
         <p:spPr bwMode="auto">
           <a:xfrm rot="5400000">
-            <a:off x="7763256" y="1170432"/>
-            <a:ext cx="2286000" cy="381000"/>
+            <a:off x="10732008" y="1106932"/>
+            <a:ext cx="2286000" cy="508000"/>
           </a:xfrm>
         </p:spPr>
         <p:txBody>
@@ -1683,7 +1699,7 @@
             <a:fld id="{86B5546F-C09B-4E63-ABC5-F7C86A7E8D66}" type="datetimeFigureOut">
               <a:rPr lang="en-US" smtClean="0"/>
               <a:pPr/>
-              <a:t>9/9/2017</a:t>
+              <a:t>12/7/2019</a:t>
             </a:fld>
             <a:endParaRPr lang="en-US"/>
           </a:p>
@@ -1701,8 +1717,8 @@
         </p:nvSpPr>
         <p:spPr bwMode="auto">
           <a:xfrm rot="5400000">
-            <a:off x="7077456" y="4178808"/>
-            <a:ext cx="3657600" cy="384048"/>
+            <a:off x="10046208" y="4114800"/>
+            <a:ext cx="3657600" cy="512064"/>
           </a:xfrm>
         </p:spPr>
         <p:txBody>
@@ -1721,8 +1737,8 @@
         </p:nvSpPr>
         <p:spPr bwMode="auto">
           <a:xfrm>
-            <a:off x="381000" y="0"/>
-            <a:ext cx="609600" cy="6858000"/>
+            <a:off x="508000" y="0"/>
+            <a:ext cx="812800" cy="6858000"/>
           </a:xfrm>
           <a:prstGeom prst="rect">
             <a:avLst/>
@@ -1758,7 +1774,7 @@
           <a:lstStyle/>
           <a:p>
             <a:pPr algn="ctr" eaLnBrk="1" latinLnBrk="0" hangingPunct="1"/>
-            <a:endParaRPr kumimoji="0" lang="en-US"/>
+            <a:endParaRPr kumimoji="0" lang="en-US" sz="1800"/>
           </a:p>
         </p:txBody>
       </p:sp>
@@ -1770,8 +1786,8 @@
         </p:nvSpPr>
         <p:spPr bwMode="auto">
           <a:xfrm>
-            <a:off x="276336" y="0"/>
-            <a:ext cx="104664" cy="6858000"/>
+            <a:off x="368448" y="0"/>
+            <a:ext cx="139552" cy="6858000"/>
           </a:xfrm>
           <a:prstGeom prst="rect">
             <a:avLst/>
@@ -1807,7 +1823,7 @@
           <a:lstStyle/>
           <a:p>
             <a:pPr algn="ctr" eaLnBrk="1" latinLnBrk="0" hangingPunct="1"/>
-            <a:endParaRPr kumimoji="0" lang="en-US"/>
+            <a:endParaRPr kumimoji="0" lang="en-US" sz="1800"/>
           </a:p>
         </p:txBody>
       </p:sp>
@@ -1819,8 +1835,8 @@
         </p:nvSpPr>
         <p:spPr bwMode="auto">
           <a:xfrm>
-            <a:off x="990600" y="0"/>
-            <a:ext cx="181872" cy="6858000"/>
+            <a:off x="1320800" y="0"/>
+            <a:ext cx="242496" cy="6858000"/>
           </a:xfrm>
           <a:prstGeom prst="rect">
             <a:avLst/>
@@ -1856,7 +1872,7 @@
           <a:lstStyle/>
           <a:p>
             <a:pPr algn="ctr" eaLnBrk="1" latinLnBrk="0" hangingPunct="1"/>
-            <a:endParaRPr kumimoji="0" lang="en-US"/>
+            <a:endParaRPr kumimoji="0" lang="en-US" sz="1800"/>
           </a:p>
         </p:txBody>
       </p:sp>
@@ -1868,8 +1884,8 @@
         </p:nvSpPr>
         <p:spPr bwMode="auto">
           <a:xfrm>
-            <a:off x="1141320" y="0"/>
-            <a:ext cx="230280" cy="6858000"/>
+            <a:off x="1521760" y="0"/>
+            <a:ext cx="307040" cy="6858000"/>
           </a:xfrm>
           <a:prstGeom prst="rect">
             <a:avLst/>
@@ -1905,7 +1921,7 @@
           <a:lstStyle/>
           <a:p>
             <a:pPr algn="ctr" eaLnBrk="1" latinLnBrk="0" hangingPunct="1"/>
-            <a:endParaRPr kumimoji="0" lang="en-US"/>
+            <a:endParaRPr kumimoji="0" lang="en-US" sz="1800"/>
           </a:p>
         </p:txBody>
       </p:sp>
@@ -1919,7 +1935,7 @@
         </p:nvSpPr>
         <p:spPr bwMode="auto">
           <a:xfrm>
-            <a:off x="106344" y="0"/>
+            <a:off x="141792" y="0"/>
             <a:ext cx="0" cy="6858000"/>
           </a:xfrm>
           <a:prstGeom prst="line">
@@ -1944,7 +1960,7 @@
           <a:bodyPr vert="horz" wrap="square" lIns="91440" tIns="45720" rIns="91440" bIns="45720" anchor="t" compatLnSpc="1"/>
           <a:lstStyle/>
           <a:p>
-            <a:endParaRPr kumimoji="0" lang="en-US"/>
+            <a:endParaRPr kumimoji="0" lang="en-US" sz="1800"/>
           </a:p>
         </p:txBody>
       </p:sp>
@@ -1958,7 +1974,7 @@
         </p:nvSpPr>
         <p:spPr bwMode="auto">
           <a:xfrm>
-            <a:off x="914400" y="0"/>
+            <a:off x="1219200" y="0"/>
             <a:ext cx="0" cy="6858000"/>
           </a:xfrm>
           <a:prstGeom prst="line">
@@ -1983,7 +1999,7 @@
           <a:bodyPr vert="horz" wrap="square" lIns="91440" tIns="45720" rIns="91440" bIns="45720" anchor="t" compatLnSpc="1"/>
           <a:lstStyle/>
           <a:p>
-            <a:endParaRPr kumimoji="0" lang="en-US"/>
+            <a:endParaRPr kumimoji="0" lang="en-US" sz="1800"/>
           </a:p>
         </p:txBody>
       </p:sp>
@@ -1997,7 +2013,7 @@
         </p:nvSpPr>
         <p:spPr bwMode="auto">
           <a:xfrm>
-            <a:off x="854112" y="0"/>
+            <a:off x="1138816" y="0"/>
             <a:ext cx="0" cy="6858000"/>
           </a:xfrm>
           <a:prstGeom prst="line">
@@ -2021,7 +2037,7 @@
           <a:bodyPr vert="horz" wrap="square" lIns="91440" tIns="45720" rIns="91440" bIns="45720" anchor="t" compatLnSpc="1"/>
           <a:lstStyle/>
           <a:p>
-            <a:endParaRPr kumimoji="0" lang="en-US"/>
+            <a:endParaRPr kumimoji="0" lang="en-US" sz="1800"/>
           </a:p>
         </p:txBody>
       </p:sp>
@@ -2035,7 +2051,7 @@
         </p:nvSpPr>
         <p:spPr bwMode="auto">
           <a:xfrm>
-            <a:off x="1726640" y="0"/>
+            <a:off x="2302187" y="0"/>
             <a:ext cx="0" cy="6858000"/>
           </a:xfrm>
           <a:prstGeom prst="line">
@@ -2060,7 +2076,7 @@
           <a:bodyPr vert="horz" wrap="square" lIns="91440" tIns="45720" rIns="91440" bIns="45720" anchor="t" compatLnSpc="1"/>
           <a:lstStyle/>
           <a:p>
-            <a:endParaRPr kumimoji="0" lang="en-US"/>
+            <a:endParaRPr kumimoji="0" lang="en-US" sz="1800"/>
           </a:p>
         </p:txBody>
       </p:sp>
@@ -2074,7 +2090,7 @@
         </p:nvSpPr>
         <p:spPr bwMode="auto">
           <a:xfrm>
-            <a:off x="1066800" y="0"/>
+            <a:off x="1422400" y="0"/>
             <a:ext cx="0" cy="6858000"/>
           </a:xfrm>
           <a:prstGeom prst="line">
@@ -2098,7 +2114,7 @@
           <a:bodyPr vert="horz" wrap="square" lIns="91440" tIns="45720" rIns="91440" bIns="45720" anchor="t" compatLnSpc="1"/>
           <a:lstStyle/>
           <a:p>
-            <a:endParaRPr kumimoji="0" lang="en-US"/>
+            <a:endParaRPr kumimoji="0" lang="en-US" sz="1800"/>
           </a:p>
         </p:txBody>
       </p:sp>
@@ -2110,8 +2126,8 @@
         </p:nvSpPr>
         <p:spPr bwMode="auto">
           <a:xfrm>
-            <a:off x="1219200" y="0"/>
-            <a:ext cx="76200" cy="6858000"/>
+            <a:off x="1625600" y="0"/>
+            <a:ext cx="101600" cy="6858000"/>
           </a:xfrm>
           <a:prstGeom prst="rect">
             <a:avLst/>
@@ -2147,7 +2163,7 @@
           <a:lstStyle/>
           <a:p>
             <a:pPr algn="ctr" eaLnBrk="1" latinLnBrk="0" hangingPunct="1"/>
-            <a:endParaRPr kumimoji="0" lang="en-US" dirty="0"/>
+            <a:endParaRPr kumimoji="0" lang="en-US" sz="1800" dirty="0"/>
           </a:p>
         </p:txBody>
       </p:sp>
@@ -2159,8 +2175,8 @@
         </p:nvSpPr>
         <p:spPr bwMode="auto">
           <a:xfrm>
-            <a:off x="609600" y="3429000"/>
-            <a:ext cx="1295400" cy="1295400"/>
+            <a:off x="812800" y="3429000"/>
+            <a:ext cx="1727200" cy="1295400"/>
           </a:xfrm>
           <a:prstGeom prst="ellipse">
             <a:avLst/>
@@ -2190,7 +2206,7 @@
           <a:lstStyle/>
           <a:p>
             <a:pPr algn="ctr" eaLnBrk="1" latinLnBrk="0" hangingPunct="1"/>
-            <a:endParaRPr kumimoji="0" lang="en-US" dirty="0"/>
+            <a:endParaRPr kumimoji="0" lang="en-US" sz="1800" dirty="0"/>
           </a:p>
         </p:txBody>
       </p:sp>
@@ -2202,8 +2218,8 @@
         </p:nvSpPr>
         <p:spPr bwMode="auto">
           <a:xfrm>
-            <a:off x="1324704" y="4866752"/>
-            <a:ext cx="641424" cy="641424"/>
+            <a:off x="1766272" y="4866752"/>
+            <a:ext cx="855232" cy="641424"/>
           </a:xfrm>
           <a:prstGeom prst="ellipse">
             <a:avLst/>
@@ -2233,7 +2249,7 @@
           <a:lstStyle/>
           <a:p>
             <a:pPr algn="ctr" eaLnBrk="1" latinLnBrk="0" hangingPunct="1"/>
-            <a:endParaRPr kumimoji="0" lang="en-US" dirty="0"/>
+            <a:endParaRPr kumimoji="0" lang="en-US" sz="1800" dirty="0"/>
           </a:p>
         </p:txBody>
       </p:sp>
@@ -2245,8 +2261,8 @@
         </p:nvSpPr>
         <p:spPr bwMode="auto">
           <a:xfrm>
-            <a:off x="1091080" y="5500632"/>
-            <a:ext cx="137160" cy="137160"/>
+            <a:off x="1454773" y="5500632"/>
+            <a:ext cx="182880" cy="137160"/>
           </a:xfrm>
           <a:prstGeom prst="ellipse">
             <a:avLst/>
@@ -2276,7 +2292,7 @@
           <a:lstStyle/>
           <a:p>
             <a:pPr algn="ctr" eaLnBrk="1" latinLnBrk="0" hangingPunct="1"/>
-            <a:endParaRPr kumimoji="0" lang="en-US" dirty="0"/>
+            <a:endParaRPr kumimoji="0" lang="en-US" sz="1800" dirty="0"/>
           </a:p>
         </p:txBody>
       </p:sp>
@@ -2288,8 +2304,8 @@
         </p:nvSpPr>
         <p:spPr bwMode="auto">
           <a:xfrm>
-            <a:off x="1664208" y="5791200"/>
-            <a:ext cx="274320" cy="274320"/>
+            <a:off x="2218944" y="5791200"/>
+            <a:ext cx="365760" cy="274320"/>
           </a:xfrm>
           <a:prstGeom prst="ellipse">
             <a:avLst/>
@@ -2319,7 +2335,7 @@
           <a:lstStyle/>
           <a:p>
             <a:pPr algn="ctr" eaLnBrk="1" latinLnBrk="0" hangingPunct="1"/>
-            <a:endParaRPr kumimoji="0" lang="en-US" dirty="0"/>
+            <a:endParaRPr kumimoji="0" lang="en-US" sz="1800" dirty="0"/>
           </a:p>
         </p:txBody>
       </p:sp>
@@ -2331,8 +2347,8 @@
         </p:nvSpPr>
         <p:spPr bwMode="auto">
           <a:xfrm>
-            <a:off x="1879040" y="4479888"/>
-            <a:ext cx="365760" cy="365760"/>
+            <a:off x="2505387" y="4479888"/>
+            <a:ext cx="487680" cy="365760"/>
           </a:xfrm>
           <a:prstGeom prst="ellipse">
             <a:avLst/>
@@ -2362,7 +2378,7 @@
           <a:lstStyle/>
           <a:p>
             <a:pPr algn="ctr" eaLnBrk="1" latinLnBrk="0" hangingPunct="1"/>
-            <a:endParaRPr kumimoji="0" lang="en-US" dirty="0"/>
+            <a:endParaRPr kumimoji="0" lang="en-US" sz="1800" dirty="0"/>
           </a:p>
         </p:txBody>
       </p:sp>
@@ -2376,7 +2392,7 @@
         </p:nvSpPr>
         <p:spPr bwMode="auto">
           <a:xfrm>
-            <a:off x="9097944" y="0"/>
+            <a:off x="12130592" y="0"/>
             <a:ext cx="0" cy="6858000"/>
           </a:xfrm>
           <a:prstGeom prst="line">
@@ -2400,7 +2416,7 @@
           <a:bodyPr vert="horz" wrap="square" lIns="91440" tIns="45720" rIns="91440" bIns="45720" anchor="t" compatLnSpc="1"/>
           <a:lstStyle/>
           <a:p>
-            <a:endParaRPr kumimoji="0" lang="en-US"/>
+            <a:endParaRPr kumimoji="0" lang="en-US" sz="1800"/>
           </a:p>
         </p:txBody>
       </p:sp>
@@ -2416,8 +2432,8 @@
         </p:nvSpPr>
         <p:spPr bwMode="auto">
           <a:xfrm>
-            <a:off x="1340616" y="4928702"/>
-            <a:ext cx="609600" cy="517524"/>
+            <a:off x="1787488" y="4928702"/>
+            <a:ext cx="812800" cy="517524"/>
           </a:xfrm>
         </p:spPr>
         <p:txBody>
@@ -2499,7 +2515,7 @@
             <a:fld id="{86B5546F-C09B-4E63-ABC5-F7C86A7E8D66}" type="datetimeFigureOut">
               <a:rPr lang="en-US" smtClean="0"/>
               <a:pPr/>
-              <a:t>9/9/2017</a:t>
+              <a:t>12/7/2019</a:t>
             </a:fld>
             <a:endParaRPr lang="en-US"/>
           </a:p>
@@ -2560,8 +2576,8 @@
         </p:nvSpPr>
         <p:spPr>
           <a:xfrm>
-            <a:off x="457200" y="1600200"/>
-            <a:ext cx="3657600" cy="4572000"/>
+            <a:off x="609600" y="1600200"/>
+            <a:ext cx="4876800" cy="4572000"/>
           </a:xfrm>
         </p:spPr>
         <p:txBody>
@@ -2617,8 +2633,8 @@
         </p:nvSpPr>
         <p:spPr>
           <a:xfrm>
-            <a:off x="4270248" y="1600200"/>
-            <a:ext cx="3657600" cy="4572000"/>
+            <a:off x="5693664" y="1600200"/>
+            <a:ext cx="4876800" cy="4572000"/>
           </a:xfrm>
         </p:spPr>
         <p:txBody>
@@ -2699,8 +2715,8 @@
         </p:nvSpPr>
         <p:spPr>
           <a:xfrm>
-            <a:off x="457200" y="273050"/>
-            <a:ext cx="7543800" cy="1143000"/>
+            <a:off x="609600" y="273050"/>
+            <a:ext cx="10058400" cy="1143000"/>
           </a:xfrm>
         </p:spPr>
         <p:txBody>
@@ -2737,7 +2753,7 @@
             <a:fld id="{86B5546F-C09B-4E63-ABC5-F7C86A7E8D66}" type="datetimeFigureOut">
               <a:rPr lang="en-US" smtClean="0"/>
               <a:pPr/>
-              <a:t>9/9/2017</a:t>
+              <a:t>12/7/2019</a:t>
             </a:fld>
             <a:endParaRPr lang="en-US"/>
           </a:p>
@@ -2798,8 +2814,8 @@
         </p:nvSpPr>
         <p:spPr>
           <a:xfrm>
-            <a:off x="457200" y="2362200"/>
-            <a:ext cx="3657600" cy="3886200"/>
+            <a:off x="609600" y="2362200"/>
+            <a:ext cx="4876800" cy="3886200"/>
           </a:xfrm>
         </p:spPr>
         <p:txBody>
@@ -2855,8 +2871,8 @@
         </p:nvSpPr>
         <p:spPr>
           <a:xfrm>
-            <a:off x="4371975" y="2362200"/>
-            <a:ext cx="3657600" cy="3886200"/>
+            <a:off x="5829300" y="2362200"/>
+            <a:ext cx="4876800" cy="3886200"/>
           </a:xfrm>
         </p:spPr>
         <p:txBody>
@@ -2912,8 +2928,8 @@
         </p:nvSpPr>
         <p:spPr>
           <a:xfrm>
-            <a:off x="457200" y="1569720"/>
-            <a:ext cx="3657600" cy="658368"/>
+            <a:off x="609600" y="1569720"/>
+            <a:ext cx="4876800" cy="658368"/>
           </a:xfrm>
           <a:prstGeom prst="roundRect">
             <a:avLst>
@@ -2960,8 +2976,8 @@
         </p:nvSpPr>
         <p:spPr>
           <a:xfrm>
-            <a:off x="4343400" y="1569720"/>
-            <a:ext cx="3657600" cy="658368"/>
+            <a:off x="5791200" y="1569720"/>
+            <a:ext cx="4876800" cy="658368"/>
           </a:xfrm>
           <a:prstGeom prst="roundRect">
             <a:avLst>
@@ -3062,7 +3078,7 @@
             <a:fld id="{86B5546F-C09B-4E63-ABC5-F7C86A7E8D66}" type="datetimeFigureOut">
               <a:rPr lang="en-US" smtClean="0"/>
               <a:pPr/>
-              <a:t>9/9/2017</a:t>
+              <a:t>12/7/2019</a:t>
             </a:fld>
             <a:endParaRPr lang="en-US"/>
           </a:p>
@@ -3154,7 +3170,7 @@
             <a:fld id="{86B5546F-C09B-4E63-ABC5-F7C86A7E8D66}" type="datetimeFigureOut">
               <a:rPr lang="en-US" smtClean="0"/>
               <a:pPr/>
-              <a:t>9/9/2017</a:t>
+              <a:t>12/7/2019</a:t>
             </a:fld>
             <a:endParaRPr lang="en-US"/>
           </a:p>
@@ -3243,7 +3259,7 @@
         </p:nvSpPr>
         <p:spPr bwMode="auto">
           <a:xfrm>
-            <a:off x="8763000" y="0"/>
+            <a:off x="11684000" y="0"/>
             <a:ext cx="0" cy="6858000"/>
           </a:xfrm>
           <a:prstGeom prst="line">
@@ -3268,7 +3284,7 @@
           <a:bodyPr vert="horz" wrap="square" lIns="91440" tIns="45720" rIns="91440" bIns="45720" anchor="t" compatLnSpc="1"/>
           <a:lstStyle/>
           <a:p>
-            <a:endParaRPr kumimoji="0" lang="en-US" dirty="0"/>
+            <a:endParaRPr kumimoji="0" lang="en-US" sz="1800" dirty="0"/>
           </a:p>
         </p:txBody>
       </p:sp>
@@ -3284,8 +3300,8 @@
         </p:nvSpPr>
         <p:spPr>
           <a:xfrm rot="5400000">
-            <a:off x="3371850" y="3200400"/>
-            <a:ext cx="6309360" cy="457200"/>
+            <a:off x="5547360" y="3124200"/>
+            <a:ext cx="6309360" cy="609600"/>
           </a:xfrm>
         </p:spPr>
         <p:txBody>
@@ -3317,8 +3333,8 @@
         </p:nvSpPr>
         <p:spPr>
           <a:xfrm>
-            <a:off x="6812280" y="274320"/>
-            <a:ext cx="1527048" cy="4983480"/>
+            <a:off x="9083040" y="274320"/>
+            <a:ext cx="2036064" cy="4983480"/>
           </a:xfrm>
         </p:spPr>
         <p:txBody>
@@ -3370,7 +3386,7 @@
         </p:nvSpPr>
         <p:spPr bwMode="auto">
           <a:xfrm>
-            <a:off x="6248400" y="0"/>
+            <a:off x="8331200" y="0"/>
             <a:ext cx="0" cy="6858000"/>
           </a:xfrm>
           <a:prstGeom prst="line">
@@ -3394,7 +3410,7 @@
           <a:bodyPr vert="horz" wrap="square" lIns="91440" tIns="45720" rIns="91440" bIns="45720" anchor="t" compatLnSpc="1"/>
           <a:lstStyle/>
           <a:p>
-            <a:endParaRPr kumimoji="0" lang="en-US" dirty="0"/>
+            <a:endParaRPr kumimoji="0" lang="en-US" sz="1800" dirty="0"/>
           </a:p>
         </p:txBody>
       </p:sp>
@@ -3408,7 +3424,7 @@
         </p:nvSpPr>
         <p:spPr bwMode="auto">
           <a:xfrm>
-            <a:off x="6192296" y="0"/>
+            <a:off x="8256395" y="0"/>
             <a:ext cx="0" cy="6858000"/>
           </a:xfrm>
           <a:prstGeom prst="line">
@@ -3430,7 +3446,7 @@
           <a:bodyPr vert="horz" wrap="square" lIns="91440" tIns="45720" rIns="91440" bIns="45720" anchor="t" compatLnSpc="1"/>
           <a:lstStyle/>
           <a:p>
-            <a:endParaRPr kumimoji="0" lang="en-US" dirty="0"/>
+            <a:endParaRPr kumimoji="0" lang="en-US" sz="1800" dirty="0"/>
           </a:p>
         </p:txBody>
       </p:sp>
@@ -3444,7 +3460,7 @@
         </p:nvSpPr>
         <p:spPr bwMode="auto">
           <a:xfrm>
-            <a:off x="8991600" y="0"/>
+            <a:off x="11988800" y="0"/>
             <a:ext cx="0" cy="6858000"/>
           </a:xfrm>
           <a:prstGeom prst="line">
@@ -3466,7 +3482,7 @@
           <a:bodyPr vert="horz" wrap="square" lIns="91440" tIns="45720" rIns="91440" bIns="45720" anchor="t" compatLnSpc="1"/>
           <a:lstStyle/>
           <a:p>
-            <a:endParaRPr kumimoji="0" lang="en-US"/>
+            <a:endParaRPr kumimoji="0" lang="en-US" sz="1800"/>
           </a:p>
         </p:txBody>
       </p:sp>
@@ -3478,8 +3494,8 @@
         </p:nvSpPr>
         <p:spPr bwMode="auto">
           <a:xfrm>
-            <a:off x="8839200" y="0"/>
-            <a:ext cx="304800" cy="6858000"/>
+            <a:off x="11785600" y="0"/>
+            <a:ext cx="406400" cy="6858000"/>
           </a:xfrm>
           <a:prstGeom prst="rect">
             <a:avLst/>
@@ -3515,7 +3531,7 @@
           <a:lstStyle/>
           <a:p>
             <a:pPr algn="ctr" eaLnBrk="1" latinLnBrk="0" hangingPunct="1"/>
-            <a:endParaRPr kumimoji="0" lang="en-US"/>
+            <a:endParaRPr kumimoji="0" lang="en-US" sz="1800"/>
           </a:p>
         </p:txBody>
       </p:sp>
@@ -3529,7 +3545,7 @@
         </p:nvSpPr>
         <p:spPr bwMode="auto">
           <a:xfrm>
-            <a:off x="8915400" y="0"/>
+            <a:off x="11887200" y="0"/>
             <a:ext cx="0" cy="6858000"/>
           </a:xfrm>
           <a:prstGeom prst="line">
@@ -3551,7 +3567,7 @@
           <a:bodyPr vert="horz" wrap="square" lIns="91440" tIns="45720" rIns="91440" bIns="45720" anchor="t" compatLnSpc="1"/>
           <a:lstStyle/>
           <a:p>
-            <a:endParaRPr kumimoji="0" lang="en-US"/>
+            <a:endParaRPr kumimoji="0" lang="en-US" sz="1800"/>
           </a:p>
         </p:txBody>
       </p:sp>
@@ -3563,8 +3579,8 @@
         </p:nvSpPr>
         <p:spPr>
           <a:xfrm>
-            <a:off x="8156448" y="5715000"/>
-            <a:ext cx="548640" cy="548640"/>
+            <a:off x="10875264" y="5715000"/>
+            <a:ext cx="731520" cy="548640"/>
           </a:xfrm>
           <a:prstGeom prst="ellipse">
             <a:avLst/>
@@ -3594,7 +3610,7 @@
           <a:lstStyle/>
           <a:p>
             <a:pPr algn="ctr" eaLnBrk="1" latinLnBrk="0" hangingPunct="1"/>
-            <a:endParaRPr kumimoji="0" lang="en-US" dirty="0"/>
+            <a:endParaRPr kumimoji="0" lang="en-US" sz="1800" dirty="0"/>
           </a:p>
         </p:txBody>
       </p:sp>
@@ -3610,8 +3626,8 @@
         </p:nvSpPr>
         <p:spPr>
           <a:xfrm>
-            <a:off x="304800" y="274320"/>
-            <a:ext cx="5638800" cy="6327648"/>
+            <a:off x="406400" y="274320"/>
+            <a:ext cx="7518400" cy="6327648"/>
           </a:xfrm>
         </p:spPr>
         <p:txBody>
@@ -3673,7 +3689,7 @@
             <a:fld id="{86B5546F-C09B-4E63-ABC5-F7C86A7E8D66}" type="datetimeFigureOut">
               <a:rPr lang="en-US" smtClean="0"/>
               <a:pPr/>
-              <a:t>9/9/2017</a:t>
+              <a:t>12/7/2019</a:t>
             </a:fld>
             <a:endParaRPr lang="en-US"/>
           </a:p>
@@ -3757,7 +3773,7 @@
         </p:nvSpPr>
         <p:spPr bwMode="auto">
           <a:xfrm>
-            <a:off x="8763000" y="0"/>
+            <a:off x="11684000" y="0"/>
             <a:ext cx="0" cy="6858000"/>
           </a:xfrm>
           <a:prstGeom prst="line">
@@ -3781,7 +3797,7 @@
           <a:bodyPr vert="horz" wrap="square" lIns="91440" tIns="45720" rIns="91440" bIns="45720" anchor="t" compatLnSpc="1"/>
           <a:lstStyle/>
           <a:p>
-            <a:endParaRPr kumimoji="0" lang="en-US"/>
+            <a:endParaRPr kumimoji="0" lang="en-US" sz="1800"/>
           </a:p>
         </p:txBody>
       </p:sp>
@@ -3793,8 +3809,8 @@
         </p:nvSpPr>
         <p:spPr>
           <a:xfrm>
-            <a:off x="8156448" y="5715000"/>
-            <a:ext cx="548640" cy="548640"/>
+            <a:off x="10875264" y="5715000"/>
+            <a:ext cx="731520" cy="548640"/>
           </a:xfrm>
           <a:prstGeom prst="ellipse">
             <a:avLst/>
@@ -3824,7 +3840,7 @@
           <a:lstStyle/>
           <a:p>
             <a:pPr algn="ctr" eaLnBrk="1" latinLnBrk="0" hangingPunct="1"/>
-            <a:endParaRPr kumimoji="0" lang="en-US" dirty="0"/>
+            <a:endParaRPr kumimoji="0" lang="en-US" sz="1800" dirty="0"/>
           </a:p>
         </p:txBody>
       </p:sp>
@@ -3840,8 +3856,8 @@
         </p:nvSpPr>
         <p:spPr>
           <a:xfrm rot="5400000">
-            <a:off x="3350133" y="3200400"/>
-            <a:ext cx="6309360" cy="457200"/>
+            <a:off x="5518404" y="3124200"/>
+            <a:ext cx="6309360" cy="609600"/>
           </a:xfrm>
         </p:spPr>
         <p:txBody>
@@ -3874,7 +3890,7 @@
         <p:spPr>
           <a:xfrm>
             <a:off x="0" y="0"/>
-            <a:ext cx="6172200" cy="6858000"/>
+            <a:ext cx="8229600" cy="6858000"/>
           </a:xfrm>
           <a:solidFill>
             <a:schemeClr val="bg2"/>
@@ -3932,8 +3948,8 @@
         </p:nvSpPr>
         <p:spPr>
           <a:xfrm>
-            <a:off x="6765798" y="264795"/>
-            <a:ext cx="1524000" cy="4956048"/>
+            <a:off x="9021064" y="264795"/>
+            <a:ext cx="2032000" cy="4956048"/>
           </a:xfrm>
         </p:spPr>
         <p:txBody>
@@ -3984,7 +4000,7 @@
         </p:nvSpPr>
         <p:spPr bwMode="auto">
           <a:xfrm>
-            <a:off x="8991600" y="0"/>
+            <a:off x="11988800" y="0"/>
             <a:ext cx="0" cy="6858000"/>
           </a:xfrm>
           <a:prstGeom prst="line">
@@ -4006,7 +4022,7 @@
           <a:bodyPr vert="horz" wrap="square" lIns="91440" tIns="45720" rIns="91440" bIns="45720" anchor="t" compatLnSpc="1"/>
           <a:lstStyle/>
           <a:p>
-            <a:endParaRPr kumimoji="0" lang="en-US"/>
+            <a:endParaRPr kumimoji="0" lang="en-US" sz="1800"/>
           </a:p>
         </p:txBody>
       </p:sp>
@@ -4018,8 +4034,8 @@
         </p:nvSpPr>
         <p:spPr bwMode="auto">
           <a:xfrm>
-            <a:off x="8839200" y="0"/>
-            <a:ext cx="304800" cy="6858000"/>
+            <a:off x="11785600" y="0"/>
+            <a:ext cx="406400" cy="6858000"/>
           </a:xfrm>
           <a:prstGeom prst="rect">
             <a:avLst/>
@@ -4054,7 +4070,7 @@
           <a:lstStyle/>
           <a:p>
             <a:pPr algn="ctr" eaLnBrk="1" latinLnBrk="0" hangingPunct="1"/>
-            <a:endParaRPr kumimoji="0" lang="en-US"/>
+            <a:endParaRPr kumimoji="0" lang="en-US" sz="1800"/>
           </a:p>
         </p:txBody>
       </p:sp>
@@ -4068,7 +4084,7 @@
         </p:nvSpPr>
         <p:spPr bwMode="auto">
           <a:xfrm>
-            <a:off x="8915400" y="0"/>
+            <a:off x="11887200" y="0"/>
             <a:ext cx="0" cy="6858000"/>
           </a:xfrm>
           <a:prstGeom prst="line">
@@ -4090,7 +4106,7 @@
           <a:bodyPr vert="horz" wrap="square" lIns="91440" tIns="45720" rIns="91440" bIns="45720" anchor="t" compatLnSpc="1"/>
           <a:lstStyle/>
           <a:p>
-            <a:endParaRPr kumimoji="0" lang="en-US"/>
+            <a:endParaRPr kumimoji="0" lang="en-US" sz="1800"/>
           </a:p>
         </p:txBody>
       </p:sp>
@@ -4104,7 +4120,7 @@
         </p:nvSpPr>
         <p:spPr bwMode="auto">
           <a:xfrm>
-            <a:off x="6248400" y="0"/>
+            <a:off x="8331200" y="0"/>
             <a:ext cx="0" cy="6858000"/>
           </a:xfrm>
           <a:prstGeom prst="line">
@@ -4128,7 +4144,7 @@
           <a:bodyPr vert="horz" wrap="square" lIns="91440" tIns="45720" rIns="91440" bIns="45720" anchor="t" compatLnSpc="1"/>
           <a:lstStyle/>
           <a:p>
-            <a:endParaRPr kumimoji="0" lang="en-US" dirty="0"/>
+            <a:endParaRPr kumimoji="0" lang="en-US" sz="1800" dirty="0"/>
           </a:p>
         </p:txBody>
       </p:sp>
@@ -4142,7 +4158,7 @@
         </p:nvSpPr>
         <p:spPr bwMode="auto">
           <a:xfrm>
-            <a:off x="6192296" y="0"/>
+            <a:off x="8256395" y="0"/>
             <a:ext cx="0" cy="6858000"/>
           </a:xfrm>
           <a:prstGeom prst="line">
@@ -4164,7 +4180,7 @@
           <a:bodyPr vert="horz" wrap="square" lIns="91440" tIns="45720" rIns="91440" bIns="45720" anchor="t" compatLnSpc="1"/>
           <a:lstStyle/>
           <a:p>
-            <a:endParaRPr kumimoji="0" lang="en-US" dirty="0"/>
+            <a:endParaRPr kumimoji="0" lang="en-US" sz="1800" dirty="0"/>
           </a:p>
         </p:txBody>
       </p:sp>
@@ -4186,7 +4202,7 @@
             <a:fld id="{86B5546F-C09B-4E63-ABC5-F7C86A7E8D66}" type="datetimeFigureOut">
               <a:rPr lang="en-US" smtClean="0"/>
               <a:pPr/>
-              <a:t>9/9/2017</a:t>
+              <a:t>12/7/2019</a:t>
             </a:fld>
             <a:endParaRPr lang="en-US"/>
           </a:p>
@@ -4275,7 +4291,7 @@
         </p:nvSpPr>
         <p:spPr bwMode="auto">
           <a:xfrm>
-            <a:off x="8763000" y="0"/>
+            <a:off x="11684000" y="0"/>
             <a:ext cx="0" cy="6858000"/>
           </a:xfrm>
           <a:prstGeom prst="line">
@@ -4300,7 +4316,7 @@
           <a:bodyPr vert="horz" wrap="square" lIns="91440" tIns="45720" rIns="91440" bIns="45720" anchor="t" compatLnSpc="1"/>
           <a:lstStyle/>
           <a:p>
-            <a:endParaRPr kumimoji="0" lang="en-US" dirty="0"/>
+            <a:endParaRPr kumimoji="0" lang="en-US" sz="1800" dirty="0"/>
           </a:p>
         </p:txBody>
       </p:sp>
@@ -4316,8 +4332,8 @@
         </p:nvSpPr>
         <p:spPr>
           <a:xfrm>
-            <a:off x="457200" y="274638"/>
-            <a:ext cx="7467600" cy="1143000"/>
+            <a:off x="609600" y="274638"/>
+            <a:ext cx="9956800" cy="1143000"/>
           </a:xfrm>
           <a:prstGeom prst="rect">
             <a:avLst/>
@@ -4349,8 +4365,8 @@
         </p:nvSpPr>
         <p:spPr>
           <a:xfrm>
-            <a:off x="457200" y="1600200"/>
-            <a:ext cx="7467600" cy="4873752"/>
+            <a:off x="609600" y="1600200"/>
+            <a:ext cx="9956800" cy="4873752"/>
           </a:xfrm>
           <a:prstGeom prst="rect">
             <a:avLst/>
@@ -4411,8 +4427,8 @@
         </p:nvSpPr>
         <p:spPr>
           <a:xfrm rot="5400000">
-            <a:off x="7589520" y="1081851"/>
-            <a:ext cx="2011680" cy="384048"/>
+            <a:off x="10454640" y="1017843"/>
+            <a:ext cx="2011680" cy="512064"/>
           </a:xfrm>
           <a:prstGeom prst="rect">
             <a:avLst/>
@@ -4433,7 +4449,7 @@
             <a:fld id="{86B5546F-C09B-4E63-ABC5-F7C86A7E8D66}" type="datetimeFigureOut">
               <a:rPr lang="en-US" smtClean="0"/>
               <a:pPr/>
-              <a:t>9/9/2017</a:t>
+              <a:t>12/7/2019</a:t>
             </a:fld>
             <a:endParaRPr lang="en-US"/>
           </a:p>
@@ -4451,8 +4467,8 @@
         </p:nvSpPr>
         <p:spPr>
           <a:xfrm rot="5400000">
-            <a:off x="6990186" y="3737240"/>
-            <a:ext cx="3200400" cy="365760"/>
+            <a:off x="9853648" y="3676280"/>
+            <a:ext cx="3200400" cy="487680"/>
           </a:xfrm>
           <a:prstGeom prst="rect">
             <a:avLst/>
@@ -4484,7 +4500,7 @@
         </p:nvSpPr>
         <p:spPr bwMode="auto">
           <a:xfrm>
-            <a:off x="76200" y="0"/>
+            <a:off x="101600" y="0"/>
             <a:ext cx="0" cy="6858000"/>
           </a:xfrm>
           <a:prstGeom prst="line">
@@ -4508,7 +4524,7 @@
           <a:bodyPr vert="horz" wrap="square" lIns="91440" tIns="45720" rIns="91440" bIns="45720" anchor="t" compatLnSpc="1"/>
           <a:lstStyle/>
           <a:p>
-            <a:endParaRPr kumimoji="0" lang="en-US"/>
+            <a:endParaRPr kumimoji="0" lang="en-US" sz="1800"/>
           </a:p>
         </p:txBody>
       </p:sp>
@@ -4522,7 +4538,7 @@
         </p:nvSpPr>
         <p:spPr bwMode="auto">
           <a:xfrm>
-            <a:off x="8991600" y="0"/>
+            <a:off x="11988800" y="0"/>
             <a:ext cx="0" cy="6858000"/>
           </a:xfrm>
           <a:prstGeom prst="line">
@@ -4544,7 +4560,7 @@
           <a:bodyPr vert="horz" wrap="square" lIns="91440" tIns="45720" rIns="91440" bIns="45720" anchor="t" compatLnSpc="1"/>
           <a:lstStyle/>
           <a:p>
-            <a:endParaRPr kumimoji="0" lang="en-US"/>
+            <a:endParaRPr kumimoji="0" lang="en-US" sz="1800"/>
           </a:p>
         </p:txBody>
       </p:sp>
@@ -4556,8 +4572,8 @@
         </p:nvSpPr>
         <p:spPr bwMode="auto">
           <a:xfrm>
-            <a:off x="8839200" y="0"/>
-            <a:ext cx="304800" cy="6858000"/>
+            <a:off x="11785600" y="0"/>
+            <a:ext cx="406400" cy="6858000"/>
           </a:xfrm>
           <a:prstGeom prst="rect">
             <a:avLst/>
@@ -4593,7 +4609,7 @@
           <a:lstStyle/>
           <a:p>
             <a:pPr algn="ctr" eaLnBrk="1" latinLnBrk="0" hangingPunct="1"/>
-            <a:endParaRPr kumimoji="0" lang="en-US"/>
+            <a:endParaRPr kumimoji="0" lang="en-US" sz="1800"/>
           </a:p>
         </p:txBody>
       </p:sp>
@@ -4607,7 +4623,7 @@
         </p:nvSpPr>
         <p:spPr bwMode="auto">
           <a:xfrm>
-            <a:off x="8915400" y="0"/>
+            <a:off x="11887200" y="0"/>
             <a:ext cx="0" cy="6858000"/>
           </a:xfrm>
           <a:prstGeom prst="line">
@@ -4629,7 +4645,7 @@
           <a:bodyPr vert="horz" wrap="square" lIns="91440" tIns="45720" rIns="91440" bIns="45720" anchor="t" compatLnSpc="1"/>
           <a:lstStyle/>
           <a:p>
-            <a:endParaRPr kumimoji="0" lang="en-US"/>
+            <a:endParaRPr kumimoji="0" lang="en-US" sz="1800"/>
           </a:p>
         </p:txBody>
       </p:sp>
@@ -4641,8 +4657,8 @@
         </p:nvSpPr>
         <p:spPr>
           <a:xfrm>
-            <a:off x="8156448" y="5715000"/>
-            <a:ext cx="548640" cy="548640"/>
+            <a:off x="10875264" y="5715000"/>
+            <a:ext cx="731520" cy="548640"/>
           </a:xfrm>
           <a:prstGeom prst="ellipse">
             <a:avLst/>
@@ -4672,7 +4688,7 @@
           <a:lstStyle/>
           <a:p>
             <a:pPr algn="ctr" eaLnBrk="1" latinLnBrk="0" hangingPunct="1"/>
-            <a:endParaRPr kumimoji="0" lang="en-US" dirty="0"/>
+            <a:endParaRPr kumimoji="0" lang="en-US" sz="1800" dirty="0"/>
           </a:p>
         </p:txBody>
       </p:sp>
@@ -4688,8 +4704,8 @@
         </p:nvSpPr>
         <p:spPr>
           <a:xfrm>
-            <a:off x="8129016" y="5734050"/>
-            <a:ext cx="609600" cy="521208"/>
+            <a:off x="10838688" y="5734050"/>
+            <a:ext cx="812800" cy="521208"/>
           </a:xfrm>
           <a:prstGeom prst="rect">
             <a:avLst/>
@@ -5057,7 +5073,7 @@
           <a:lstStyle/>
           <a:p>
             <a:r>
-              <a:rPr lang="zh-CN" altLang="en-US" sz="8000" dirty="0" smtClean="0">
+              <a:rPr lang="zh-CN" altLang="en-US" sz="8000" dirty="0">
                 <a:latin typeface="微軟正黑體" pitchFamily="34" charset="-120"/>
                 <a:ea typeface="微軟正黑體" pitchFamily="34" charset="-120"/>
               </a:rPr>
@@ -5291,8 +5307,8 @@
         </p:nvSpPr>
         <p:spPr>
           <a:xfrm>
-            <a:off x="0" y="0"/>
-            <a:ext cx="9144000" cy="7010400"/>
+            <a:off x="152400" y="0"/>
+            <a:ext cx="11506200" cy="7010400"/>
           </a:xfrm>
         </p:spPr>
         <p:txBody>
@@ -5302,27 +5318,27 @@
           <a:lstStyle/>
           <a:p>
             <a:r>
-              <a:rPr lang="zh-TW" altLang="en-US" sz="6000" dirty="0" smtClean="0">
+              <a:rPr lang="zh-TW" altLang="en-US" sz="5400" dirty="0">
                 <a:latin typeface="微軟正黑體" pitchFamily="34" charset="-120"/>
                 <a:ea typeface="微軟正黑體" pitchFamily="34" charset="-120"/>
               </a:rPr>
               <a:t>我心裡甚是憂傷，幾乎要死；你們在這裡等候，和我一同警醒。</a:t>
             </a:r>
-            <a:endParaRPr lang="en-US" altLang="zh-TW" sz="6000" dirty="0" smtClean="0">
+            <a:endParaRPr lang="en-US" altLang="zh-TW" sz="5400" dirty="0">
               <a:latin typeface="微軟正黑體" pitchFamily="34" charset="-120"/>
               <a:ea typeface="微軟正黑體" pitchFamily="34" charset="-120"/>
             </a:endParaRPr>
           </a:p>
           <a:p>
             <a:r>
-              <a:rPr lang="zh-TW" altLang="en-US" sz="6000" b="1" dirty="0" smtClean="0">
+              <a:rPr lang="zh-TW" altLang="en-US" sz="5400" b="1" dirty="0">
                 <a:latin typeface="微軟正黑體" pitchFamily="34" charset="-120"/>
                 <a:ea typeface="微軟正黑體" pitchFamily="34" charset="-120"/>
               </a:rPr>
               <a:t>黑夜已深，白晝將近；我們就當脫去暗昧的行為，帶上光明的兵器。</a:t>
             </a:r>
             <a:r>
-              <a:rPr lang="en-US" altLang="zh-TW" sz="6000" b="1" dirty="0" smtClean="0">
+              <a:rPr lang="en-US" altLang="zh-TW" sz="5400" b="1" dirty="0">
                 <a:latin typeface="微軟正黑體" pitchFamily="34" charset="-120"/>
                 <a:ea typeface="微軟正黑體" pitchFamily="34" charset="-120"/>
               </a:rPr>
@@ -5375,25 +5391,25 @@
         </p:nvSpPr>
         <p:spPr>
           <a:xfrm>
-            <a:off x="0" y="0"/>
-            <a:ext cx="9144000" cy="7010400"/>
+            <a:off x="152400" y="0"/>
+            <a:ext cx="11506200" cy="7010400"/>
           </a:xfrm>
         </p:spPr>
         <p:txBody>
           <a:bodyPr>
-            <a:noAutofit/>
+            <a:normAutofit/>
           </a:bodyPr>
           <a:lstStyle/>
           <a:p>
             <a:r>
-              <a:rPr lang="zh-TW" altLang="en-US" sz="6000" dirty="0" smtClean="0">
+              <a:rPr lang="zh-TW" altLang="en-US" sz="5400" dirty="0">
                 <a:latin typeface="微軟正黑體" pitchFamily="34" charset="-120"/>
                 <a:ea typeface="微軟正黑體" pitchFamily="34" charset="-120"/>
               </a:rPr>
               <a:t>行事為人要端正，好像行在白晝。不可荒宴醉酒，不可好色邪蕩，不可爭競嫉妒；</a:t>
             </a:r>
             <a:r>
-              <a:rPr lang="en-US" altLang="zh-TW" sz="6000" dirty="0" smtClean="0">
+              <a:rPr lang="en-US" altLang="zh-TW" sz="5400" dirty="0">
                 <a:latin typeface="微軟正黑體" pitchFamily="34" charset="-120"/>
                 <a:ea typeface="微軟正黑體" pitchFamily="34" charset="-120"/>
               </a:rPr>
@@ -5402,23 +5418,32 @@
           </a:p>
           <a:p>
             <a:r>
-              <a:rPr lang="zh-TW" altLang="en-US" sz="6000" b="1" dirty="0" smtClean="0">
+              <a:rPr lang="zh-TW" altLang="en-US" sz="5400" b="1" dirty="0">
                 <a:latin typeface="微軟正黑體" pitchFamily="34" charset="-120"/>
                 <a:ea typeface="微軟正黑體" pitchFamily="34" charset="-120"/>
               </a:rPr>
               <a:t>總要披戴主耶穌基督，不要為肉體安排，去放縱私慾。</a:t>
             </a:r>
             <a:r>
-              <a:rPr lang="en-US" altLang="zh-TW" sz="6000" b="1" dirty="0" smtClean="0">
+              <a:rPr lang="en-US" altLang="zh-TW" sz="5400" b="1" dirty="0">
                 <a:latin typeface="微軟正黑體" pitchFamily="34" charset="-120"/>
                 <a:ea typeface="微軟正黑體" pitchFamily="34" charset="-120"/>
               </a:rPr>
               <a:t> </a:t>
             </a:r>
+            <a:endParaRPr lang="en-US" altLang="zh-TW" sz="5400" b="1" dirty="0">
+              <a:latin typeface="微軟正黑體" pitchFamily="34" charset="-120"/>
+              <a:ea typeface="微軟正黑體" pitchFamily="34" charset="-120"/>
+            </a:endParaRPr>
           </a:p>
         </p:txBody>
       </p:sp>
     </p:spTree>
+    <p:extLst>
+      <p:ext uri="{BB962C8B-B14F-4D97-AF65-F5344CB8AC3E}">
+        <p14:creationId xmlns:p14="http://schemas.microsoft.com/office/powerpoint/2010/main" val="3817159417"/>
+      </p:ext>
+    </p:extLst>
   </p:cSld>
   <p:clrMapOvr>
     <a:masterClrMapping/>
@@ -5462,47 +5487,56 @@
         </p:nvSpPr>
         <p:spPr>
           <a:xfrm>
-            <a:off x="0" y="0"/>
-            <a:ext cx="9144000" cy="7010400"/>
+            <a:off x="152400" y="0"/>
+            <a:ext cx="11506200" cy="7010400"/>
           </a:xfrm>
         </p:spPr>
         <p:txBody>
           <a:bodyPr>
-            <a:noAutofit/>
+            <a:normAutofit/>
           </a:bodyPr>
           <a:lstStyle/>
           <a:p>
             <a:r>
-              <a:rPr lang="zh-TW" altLang="en-US" sz="6000" dirty="0" smtClean="0">
+              <a:rPr lang="zh-TW" altLang="en-US" sz="5400" dirty="0">
                 <a:latin typeface="微軟正黑體" pitchFamily="34" charset="-120"/>
                 <a:ea typeface="微軟正黑體" pitchFamily="34" charset="-120"/>
               </a:rPr>
               <a:t>因為你們自己明明曉得，主的日子來到，好像夜間的賊一樣。</a:t>
             </a:r>
-            <a:endParaRPr lang="en-US" altLang="zh-TW" sz="6000" b="1" dirty="0" smtClean="0">
+            <a:endParaRPr lang="en-US" altLang="zh-TW" sz="5400" b="1" dirty="0">
               <a:latin typeface="微軟正黑體" pitchFamily="34" charset="-120"/>
               <a:ea typeface="微軟正黑體" pitchFamily="34" charset="-120"/>
             </a:endParaRPr>
           </a:p>
           <a:p>
             <a:r>
-              <a:rPr lang="zh-TW" altLang="en-US" sz="6000" b="1" dirty="0" smtClean="0">
+              <a:rPr lang="zh-TW" altLang="en-US" sz="5400" b="1" dirty="0">
                 <a:latin typeface="微軟正黑體" pitchFamily="34" charset="-120"/>
                 <a:ea typeface="微軟正黑體" pitchFamily="34" charset="-120"/>
               </a:rPr>
               <a:t>人正說「平安穩妥」的時候，災禍忽然臨到他們，如同產難臨到懷胎的婦人一樣。他們絕不能逃脫。</a:t>
             </a:r>
             <a:r>
-              <a:rPr lang="en-US" altLang="zh-TW" sz="6000" b="1" dirty="0" smtClean="0">
+              <a:rPr lang="en-US" altLang="zh-TW" sz="5400" b="1" dirty="0">
                 <a:latin typeface="微軟正黑體" pitchFamily="34" charset="-120"/>
                 <a:ea typeface="微軟正黑體" pitchFamily="34" charset="-120"/>
               </a:rPr>
               <a:t> </a:t>
             </a:r>
+            <a:endParaRPr lang="en-US" altLang="zh-TW" sz="5400" b="1" dirty="0">
+              <a:latin typeface="微軟正黑體" pitchFamily="34" charset="-120"/>
+              <a:ea typeface="微軟正黑體" pitchFamily="34" charset="-120"/>
+            </a:endParaRPr>
           </a:p>
         </p:txBody>
       </p:sp>
     </p:spTree>
+    <p:extLst>
+      <p:ext uri="{BB962C8B-B14F-4D97-AF65-F5344CB8AC3E}">
+        <p14:creationId xmlns:p14="http://schemas.microsoft.com/office/powerpoint/2010/main" val="3726228525"/>
+      </p:ext>
+    </p:extLst>
   </p:cSld>
   <p:clrMapOvr>
     <a:masterClrMapping/>
@@ -5546,45 +5580,45 @@
         </p:nvSpPr>
         <p:spPr>
           <a:xfrm>
-            <a:off x="0" y="0"/>
-            <a:ext cx="9144000" cy="7010400"/>
+            <a:off x="152400" y="0"/>
+            <a:ext cx="11506200" cy="7010400"/>
           </a:xfrm>
         </p:spPr>
         <p:txBody>
           <a:bodyPr>
-            <a:noAutofit/>
+            <a:normAutofit/>
           </a:bodyPr>
           <a:lstStyle/>
           <a:p>
             <a:r>
-              <a:rPr lang="zh-TW" altLang="en-US" sz="6000" dirty="0" smtClean="0">
+              <a:rPr lang="zh-TW" altLang="en-US" sz="5400" dirty="0">
                 <a:latin typeface="微軟正黑體" pitchFamily="34" charset="-120"/>
                 <a:ea typeface="微軟正黑體" pitchFamily="34" charset="-120"/>
               </a:rPr>
               <a:t>你們卻不在黑暗裡，叫那日子臨到你們像賊一樣。</a:t>
             </a:r>
             <a:r>
-              <a:rPr lang="en-US" altLang="zh-TW" sz="6000" dirty="0" smtClean="0">
+              <a:rPr lang="en-US" altLang="zh-TW" sz="5400" dirty="0">
                 <a:latin typeface="微軟正黑體" pitchFamily="34" charset="-120"/>
                 <a:ea typeface="微軟正黑體" pitchFamily="34" charset="-120"/>
               </a:rPr>
               <a:t> </a:t>
             </a:r>
-            <a:endParaRPr lang="en-US" altLang="zh-TW" sz="6000" b="1" dirty="0" smtClean="0">
+            <a:endParaRPr lang="en-US" altLang="zh-TW" sz="5400" b="1" dirty="0">
               <a:latin typeface="微軟正黑體" pitchFamily="34" charset="-120"/>
               <a:ea typeface="微軟正黑體" pitchFamily="34" charset="-120"/>
             </a:endParaRPr>
           </a:p>
           <a:p>
             <a:r>
-              <a:rPr lang="zh-TW" altLang="en-US" sz="6000" b="1" dirty="0" smtClean="0">
+              <a:rPr lang="zh-TW" altLang="en-US" sz="5400" b="1" dirty="0">
                 <a:latin typeface="微軟正黑體" pitchFamily="34" charset="-120"/>
                 <a:ea typeface="微軟正黑體" pitchFamily="34" charset="-120"/>
               </a:rPr>
               <a:t>你們都是光明之子，都是白晝之子。我們不是屬黑夜的，也不是屬幽暗的。</a:t>
             </a:r>
             <a:r>
-              <a:rPr lang="en-US" altLang="zh-TW" sz="6000" b="1" dirty="0" smtClean="0">
+              <a:rPr lang="en-US" altLang="zh-TW" sz="5400" b="1" dirty="0">
                 <a:latin typeface="微軟正黑體" pitchFamily="34" charset="-120"/>
                 <a:ea typeface="微軟正黑體" pitchFamily="34" charset="-120"/>
               </a:rPr>
@@ -5593,13 +5627,13 @@
           </a:p>
           <a:p>
             <a:r>
-              <a:rPr lang="zh-TW" altLang="en-US" sz="6000" dirty="0" smtClean="0">
+              <a:rPr lang="zh-TW" altLang="en-US" sz="5400" dirty="0">
                 <a:latin typeface="微軟正黑體" pitchFamily="34" charset="-120"/>
                 <a:ea typeface="微軟正黑體" pitchFamily="34" charset="-120"/>
               </a:rPr>
               <a:t>所以我們不要睡覺像別人一樣，總要警醒謹守。</a:t>
             </a:r>
-            <a:endParaRPr lang="en-US" altLang="zh-TW" sz="6000" dirty="0" smtClean="0">
+            <a:endParaRPr lang="en-US" altLang="zh-TW" sz="5400" dirty="0">
               <a:latin typeface="微軟正黑體" pitchFamily="34" charset="-120"/>
               <a:ea typeface="微軟正黑體" pitchFamily="34" charset="-120"/>
             </a:endParaRPr>
@@ -5607,6 +5641,11 @@
         </p:txBody>
       </p:sp>
     </p:spTree>
+    <p:extLst>
+      <p:ext uri="{BB962C8B-B14F-4D97-AF65-F5344CB8AC3E}">
+        <p14:creationId xmlns:p14="http://schemas.microsoft.com/office/powerpoint/2010/main" val="3482879612"/>
+      </p:ext>
+    </p:extLst>
   </p:cSld>
   <p:clrMapOvr>
     <a:masterClrMapping/>
@@ -5650,47 +5689,56 @@
         </p:nvSpPr>
         <p:spPr>
           <a:xfrm>
-            <a:off x="0" y="0"/>
-            <a:ext cx="9144000" cy="7010400"/>
+            <a:off x="152400" y="0"/>
+            <a:ext cx="11506200" cy="7010400"/>
           </a:xfrm>
         </p:spPr>
         <p:txBody>
           <a:bodyPr>
-            <a:noAutofit/>
+            <a:normAutofit/>
           </a:bodyPr>
           <a:lstStyle/>
           <a:p>
             <a:r>
-              <a:rPr lang="zh-TW" altLang="en-US" sz="6000" b="1" dirty="0" smtClean="0">
+              <a:rPr lang="zh-TW" altLang="en-US" sz="5400" b="1" dirty="0">
                 <a:latin typeface="微軟正黑體" pitchFamily="34" charset="-120"/>
                 <a:ea typeface="微軟正黑體" pitchFamily="34" charset="-120"/>
               </a:rPr>
               <a:t>總要警醒禱告，免得入了迷惑。你們心靈固然願意，肉體卻軟弱了。</a:t>
             </a:r>
-            <a:endParaRPr lang="en-US" altLang="zh-TW" sz="6000" dirty="0" smtClean="0">
+            <a:endParaRPr lang="en-US" altLang="zh-TW" sz="5400" dirty="0">
               <a:latin typeface="微軟正黑體" pitchFamily="34" charset="-120"/>
               <a:ea typeface="微軟正黑體" pitchFamily="34" charset="-120"/>
             </a:endParaRPr>
           </a:p>
           <a:p>
             <a:r>
-              <a:rPr lang="zh-TW" altLang="en-US" sz="6000" dirty="0" smtClean="0">
+              <a:rPr lang="zh-TW" altLang="en-US" sz="5400" dirty="0">
                 <a:latin typeface="微軟正黑體" pitchFamily="34" charset="-120"/>
                 <a:ea typeface="微軟正黑體" pitchFamily="34" charset="-120"/>
               </a:rPr>
               <a:t>但你這屬神的人要逃避這些事，追求公義、敬虔、信心、愛心、忍耐、溫柔。</a:t>
             </a:r>
             <a:r>
-              <a:rPr lang="en-US" altLang="zh-TW" sz="6000" dirty="0" smtClean="0">
+              <a:rPr lang="en-US" altLang="zh-TW" sz="5400" dirty="0">
                 <a:latin typeface="微軟正黑體" pitchFamily="34" charset="-120"/>
                 <a:ea typeface="微軟正黑體" pitchFamily="34" charset="-120"/>
               </a:rPr>
               <a:t> </a:t>
             </a:r>
+            <a:endParaRPr lang="en-US" altLang="zh-TW" sz="5400" dirty="0">
+              <a:latin typeface="微軟正黑體" pitchFamily="34" charset="-120"/>
+              <a:ea typeface="微軟正黑體" pitchFamily="34" charset="-120"/>
+            </a:endParaRPr>
           </a:p>
         </p:txBody>
       </p:sp>
     </p:spTree>
+    <p:extLst>
+      <p:ext uri="{BB962C8B-B14F-4D97-AF65-F5344CB8AC3E}">
+        <p14:creationId xmlns:p14="http://schemas.microsoft.com/office/powerpoint/2010/main" val="1795819868"/>
+      </p:ext>
+    </p:extLst>
   </p:cSld>
   <p:clrMapOvr>
     <a:masterClrMapping/>
@@ -5734,34 +5782,43 @@
         </p:nvSpPr>
         <p:spPr>
           <a:xfrm>
-            <a:off x="0" y="0"/>
-            <a:ext cx="9144000" cy="7010400"/>
+            <a:off x="152400" y="0"/>
+            <a:ext cx="11506200" cy="7010400"/>
           </a:xfrm>
         </p:spPr>
         <p:txBody>
           <a:bodyPr>
-            <a:noAutofit/>
+            <a:normAutofit/>
           </a:bodyPr>
           <a:lstStyle/>
           <a:p>
             <a:r>
-              <a:rPr lang="zh-TW" altLang="en-US" sz="6000" b="1" dirty="0" smtClean="0">
+              <a:rPr lang="zh-TW" altLang="en-US" sz="5400" b="1" dirty="0">
                 <a:latin typeface="微軟正黑體" pitchFamily="34" charset="-120"/>
                 <a:ea typeface="微軟正黑體" pitchFamily="34" charset="-120"/>
               </a:rPr>
               <a:t>你要為真道打那美好的仗，持定永生。你為此被召，也在許多見證人面前，已經作了那美好的見證。</a:t>
             </a:r>
             <a:r>
-              <a:rPr lang="en-US" altLang="zh-TW" sz="6000" b="1" dirty="0" smtClean="0">
+              <a:rPr lang="en-US" altLang="zh-TW" sz="5400" b="1" dirty="0">
                 <a:latin typeface="微軟正黑體" pitchFamily="34" charset="-120"/>
                 <a:ea typeface="微軟正黑體" pitchFamily="34" charset="-120"/>
               </a:rPr>
               <a:t> </a:t>
             </a:r>
+            <a:endParaRPr lang="en-US" altLang="zh-TW" sz="5400" b="1" dirty="0">
+              <a:latin typeface="微軟正黑體" pitchFamily="34" charset="-120"/>
+              <a:ea typeface="微軟正黑體" pitchFamily="34" charset="-120"/>
+            </a:endParaRPr>
           </a:p>
         </p:txBody>
       </p:sp>
     </p:spTree>
+    <p:extLst>
+      <p:ext uri="{BB962C8B-B14F-4D97-AF65-F5344CB8AC3E}">
+        <p14:creationId xmlns:p14="http://schemas.microsoft.com/office/powerpoint/2010/main" val="3216096757"/>
+      </p:ext>
+    </p:extLst>
   </p:cSld>
   <p:clrMapOvr>
     <a:masterClrMapping/>
